--- a/ApresentaçãoSprint2.pptx
+++ b/ApresentaçãoSprint2.pptx
@@ -5,16 +5,7 @@
     <p:sldMasterId id="2147483648" r:id="rId1"/>
   </p:sldMasterIdLst>
   <p:sldIdLst>
-    <p:sldId id="256" r:id="rId2"/>
-    <p:sldId id="257" r:id="rId3"/>
-    <p:sldId id="258" r:id="rId4"/>
-    <p:sldId id="263" r:id="rId5"/>
-    <p:sldId id="259" r:id="rId6"/>
-    <p:sldId id="260" r:id="rId7"/>
-    <p:sldId id="261" r:id="rId8"/>
-    <p:sldId id="262" r:id="rId9"/>
-    <p:sldId id="264" r:id="rId10"/>
-    <p:sldId id="265" r:id="rId11"/>
+    <p:sldId id="257" r:id="rId2"/>
   </p:sldIdLst>
   <p:sldSz cx="12192000" cy="6858000"/>
   <p:notesSz cx="6858000" cy="9144000"/>
@@ -113,6 +104,11 @@
       </a:defRPr>
     </a:lvl9pPr>
   </p:defaultTextStyle>
+  <p:extLst>
+    <p:ext uri="{EFAFB233-063F-42B5-8137-9DF3F51BA10A}">
+      <p15:sldGuideLst xmlns:p15="http://schemas.microsoft.com/office/powerpoint/2012/main"/>
+    </p:ext>
+  </p:extLst>
 </p:presentation>
 </file>
 
@@ -247,7 +243,7 @@
           <a:p>
             <a:fld id="{47B43E17-A8D9-400A-BDB1-9CF9A16C5EDA}" type="datetimeFigureOut">
               <a:rPr lang="pt-BR" smtClean="0"/>
-              <a:t>16/09/2019</a:t>
+              <a:t>18/09/2019</a:t>
             </a:fld>
             <a:endParaRPr lang="pt-BR"/>
           </a:p>
@@ -417,7 +413,7 @@
           <a:p>
             <a:fld id="{47B43E17-A8D9-400A-BDB1-9CF9A16C5EDA}" type="datetimeFigureOut">
               <a:rPr lang="pt-BR" smtClean="0"/>
-              <a:t>16/09/2019</a:t>
+              <a:t>18/09/2019</a:t>
             </a:fld>
             <a:endParaRPr lang="pt-BR"/>
           </a:p>
@@ -597,7 +593,7 @@
           <a:p>
             <a:fld id="{47B43E17-A8D9-400A-BDB1-9CF9A16C5EDA}" type="datetimeFigureOut">
               <a:rPr lang="pt-BR" smtClean="0"/>
-              <a:t>16/09/2019</a:t>
+              <a:t>18/09/2019</a:t>
             </a:fld>
             <a:endParaRPr lang="pt-BR"/>
           </a:p>
@@ -767,7 +763,7 @@
           <a:p>
             <a:fld id="{47B43E17-A8D9-400A-BDB1-9CF9A16C5EDA}" type="datetimeFigureOut">
               <a:rPr lang="pt-BR" smtClean="0"/>
-              <a:t>16/09/2019</a:t>
+              <a:t>18/09/2019</a:t>
             </a:fld>
             <a:endParaRPr lang="pt-BR"/>
           </a:p>
@@ -1013,7 +1009,7 @@
           <a:p>
             <a:fld id="{47B43E17-A8D9-400A-BDB1-9CF9A16C5EDA}" type="datetimeFigureOut">
               <a:rPr lang="pt-BR" smtClean="0"/>
-              <a:t>16/09/2019</a:t>
+              <a:t>18/09/2019</a:t>
             </a:fld>
             <a:endParaRPr lang="pt-BR"/>
           </a:p>
@@ -1245,7 +1241,7 @@
           <a:p>
             <a:fld id="{47B43E17-A8D9-400A-BDB1-9CF9A16C5EDA}" type="datetimeFigureOut">
               <a:rPr lang="pt-BR" smtClean="0"/>
-              <a:t>16/09/2019</a:t>
+              <a:t>18/09/2019</a:t>
             </a:fld>
             <a:endParaRPr lang="pt-BR"/>
           </a:p>
@@ -1612,7 +1608,7 @@
           <a:p>
             <a:fld id="{47B43E17-A8D9-400A-BDB1-9CF9A16C5EDA}" type="datetimeFigureOut">
               <a:rPr lang="pt-BR" smtClean="0"/>
-              <a:t>16/09/2019</a:t>
+              <a:t>18/09/2019</a:t>
             </a:fld>
             <a:endParaRPr lang="pt-BR"/>
           </a:p>
@@ -1730,7 +1726,7 @@
           <a:p>
             <a:fld id="{47B43E17-A8D9-400A-BDB1-9CF9A16C5EDA}" type="datetimeFigureOut">
               <a:rPr lang="pt-BR" smtClean="0"/>
-              <a:t>16/09/2019</a:t>
+              <a:t>18/09/2019</a:t>
             </a:fld>
             <a:endParaRPr lang="pt-BR"/>
           </a:p>
@@ -1825,7 +1821,7 @@
           <a:p>
             <a:fld id="{47B43E17-A8D9-400A-BDB1-9CF9A16C5EDA}" type="datetimeFigureOut">
               <a:rPr lang="pt-BR" smtClean="0"/>
-              <a:t>16/09/2019</a:t>
+              <a:t>18/09/2019</a:t>
             </a:fld>
             <a:endParaRPr lang="pt-BR"/>
           </a:p>
@@ -2102,7 +2098,7 @@
           <a:p>
             <a:fld id="{47B43E17-A8D9-400A-BDB1-9CF9A16C5EDA}" type="datetimeFigureOut">
               <a:rPr lang="pt-BR" smtClean="0"/>
-              <a:t>16/09/2019</a:t>
+              <a:t>18/09/2019</a:t>
             </a:fld>
             <a:endParaRPr lang="pt-BR"/>
           </a:p>
@@ -2355,7 +2351,7 @@
           <a:p>
             <a:fld id="{47B43E17-A8D9-400A-BDB1-9CF9A16C5EDA}" type="datetimeFigureOut">
               <a:rPr lang="pt-BR" smtClean="0"/>
-              <a:t>16/09/2019</a:t>
+              <a:t>18/09/2019</a:t>
             </a:fld>
             <a:endParaRPr lang="pt-BR"/>
           </a:p>
@@ -2568,7 +2564,7 @@
           <a:p>
             <a:fld id="{47B43E17-A8D9-400A-BDB1-9CF9A16C5EDA}" type="datetimeFigureOut">
               <a:rPr lang="pt-BR" smtClean="0"/>
-              <a:t>16/09/2019</a:t>
+              <a:t>18/09/2019</a:t>
             </a:fld>
             <a:endParaRPr lang="pt-BR"/>
           </a:p>
@@ -2973,81 +2969,15 @@
           <a:chExt cx="0" cy="0"/>
         </a:xfrm>
       </p:grpSpPr>
-      <p:sp>
-        <p:nvSpPr>
-          <p:cNvPr id="2" name="Título 1"/>
-          <p:cNvSpPr>
-            <a:spLocks noGrp="1"/>
-          </p:cNvSpPr>
-          <p:nvPr>
-            <p:ph type="ctrTitle"/>
-          </p:nvPr>
-        </p:nvSpPr>
-        <p:spPr/>
-        <p:txBody>
-          <a:bodyPr/>
-          <a:lstStyle/>
-          <a:p>
-            <a:endParaRPr lang="pt-BR"/>
-          </a:p>
-        </p:txBody>
-      </p:sp>
-      <p:sp>
-        <p:nvSpPr>
-          <p:cNvPr id="3" name="Subtítulo 2"/>
-          <p:cNvSpPr>
-            <a:spLocks noGrp="1"/>
-          </p:cNvSpPr>
-          <p:nvPr>
-            <p:ph type="subTitle" idx="1"/>
-          </p:nvPr>
-        </p:nvSpPr>
-        <p:spPr/>
-        <p:txBody>
-          <a:bodyPr/>
-          <a:lstStyle/>
-          <a:p>
-            <a:endParaRPr lang="pt-BR"/>
-          </a:p>
-        </p:txBody>
-      </p:sp>
-    </p:spTree>
-    <p:extLst>
-      <p:ext uri="{BB962C8B-B14F-4D97-AF65-F5344CB8AC3E}">
-        <p14:creationId xmlns:p14="http://schemas.microsoft.com/office/powerpoint/2010/main" val="2511287977"/>
-      </p:ext>
-    </p:extLst>
-  </p:cSld>
-  <p:clrMapOvr>
-    <a:masterClrMapping/>
-  </p:clrMapOvr>
-</p:sld>
-</file>
-
-<file path=ppt/slides/slide10.xml><?xml version="1.0" encoding="utf-8"?>
-<p:sld xmlns:a="http://schemas.openxmlformats.org/drawingml/2006/main" xmlns:r="http://schemas.openxmlformats.org/officeDocument/2006/relationships" xmlns:p="http://schemas.openxmlformats.org/presentationml/2006/main">
-  <p:cSld>
-    <p:spTree>
-      <p:nvGrpSpPr>
-        <p:cNvPr id="1" name=""/>
-        <p:cNvGrpSpPr/>
-        <p:nvPr/>
-      </p:nvGrpSpPr>
-      <p:grpSpPr>
-        <a:xfrm>
-          <a:off x="0" y="0"/>
-          <a:ext cx="0" cy="0"/>
-          <a:chOff x="0" y="0"/>
-          <a:chExt cx="0" cy="0"/>
-        </a:xfrm>
-      </p:grpSpPr>
       <p:pic>
         <p:nvPicPr>
-          <p:cNvPr id="4" name="Imagem 3"/>
+          <p:cNvPr id="4" name="Espaço Reservado para Conteúdo 3"/>
           <p:cNvPicPr>
-            <a:picLocks noChangeAspect="1"/>
+            <a:picLocks noGrp="1" noChangeAspect="1"/>
           </p:cNvPicPr>
-          <p:nvPr/>
+          <p:nvPr>
+            <p:ph idx="1"/>
+          </p:nvPr>
         </p:nvPicPr>
         <p:blipFill>
           <a:blip r:embed="rId2"/>
@@ -3057,70 +2987,1105 @@
         </p:blipFill>
         <p:spPr>
           <a:xfrm>
-            <a:off x="5153025" y="2147887"/>
-            <a:ext cx="1885950" cy="2562225"/>
+            <a:off x="351008" y="345062"/>
+            <a:ext cx="933450" cy="1166813"/>
           </a:xfrm>
           <a:prstGeom prst="rect">
             <a:avLst/>
           </a:prstGeom>
         </p:spPr>
       </p:pic>
-    </p:spTree>
-    <p:extLst>
-      <p:ext uri="{BB962C8B-B14F-4D97-AF65-F5344CB8AC3E}">
-        <p14:creationId xmlns:p14="http://schemas.microsoft.com/office/powerpoint/2010/main" val="969957390"/>
-      </p:ext>
-    </p:extLst>
-  </p:cSld>
-  <p:clrMapOvr>
-    <a:masterClrMapping/>
-  </p:clrMapOvr>
-</p:sld>
-</file>
-
-<file path=ppt/slides/slide2.xml><?xml version="1.0" encoding="utf-8"?>
-<p:sld xmlns:a="http://schemas.openxmlformats.org/drawingml/2006/main" xmlns:r="http://schemas.openxmlformats.org/officeDocument/2006/relationships" xmlns:p="http://schemas.openxmlformats.org/presentationml/2006/main">
-  <p:cSld>
-    <p:spTree>
-      <p:nvGrpSpPr>
-        <p:cNvPr id="1" name=""/>
-        <p:cNvGrpSpPr/>
-        <p:nvPr/>
-      </p:nvGrpSpPr>
-      <p:grpSpPr>
-        <a:xfrm>
-          <a:off x="0" y="0"/>
-          <a:ext cx="0" cy="0"/>
-          <a:chOff x="0" y="0"/>
-          <a:chExt cx="0" cy="0"/>
-        </a:xfrm>
-      </p:grpSpPr>
+      <p:sp>
+        <p:nvSpPr>
+          <p:cNvPr id="2" name="CaixaDeTexto 1"/>
+          <p:cNvSpPr txBox="1"/>
+          <p:nvPr/>
+        </p:nvSpPr>
+        <p:spPr>
+          <a:xfrm>
+            <a:off x="135108" y="1546808"/>
+            <a:ext cx="1391878" cy="646331"/>
+          </a:xfrm>
+          <a:prstGeom prst="rect">
+            <a:avLst/>
+          </a:prstGeom>
+          <a:ln/>
+        </p:spPr>
+        <p:style>
+          <a:lnRef idx="1">
+            <a:schemeClr val="accent6"/>
+          </a:lnRef>
+          <a:fillRef idx="2">
+            <a:schemeClr val="accent6"/>
+          </a:fillRef>
+          <a:effectRef idx="1">
+            <a:schemeClr val="accent6"/>
+          </a:effectRef>
+          <a:fontRef idx="minor">
+            <a:schemeClr val="dk1"/>
+          </a:fontRef>
+        </p:style>
+        <p:txBody>
+          <a:bodyPr wrap="square" rtlCol="0">
+            <a:spAutoFit/>
+          </a:bodyPr>
+          <a:lstStyle/>
+          <a:p>
+            <a:pPr algn="ctr"/>
+            <a:r>
+              <a:rPr lang="pt-BR" dirty="0" smtClean="0">
+                <a:solidFill>
+                  <a:schemeClr val="accent6">
+                    <a:lumMod val="75000"/>
+                  </a:schemeClr>
+                </a:solidFill>
+                <a:latin typeface="Franklin Gothic Demi" panose="020B0703020102020204" pitchFamily="34" charset="0"/>
+              </a:rPr>
+              <a:t>Adquirir o produto</a:t>
+            </a:r>
+            <a:endParaRPr lang="pt-BR" dirty="0">
+              <a:solidFill>
+                <a:schemeClr val="accent6">
+                  <a:lumMod val="75000"/>
+                </a:schemeClr>
+              </a:solidFill>
+              <a:latin typeface="Franklin Gothic Demi" panose="020B0703020102020204" pitchFamily="34" charset="0"/>
+            </a:endParaRPr>
+          </a:p>
+        </p:txBody>
+      </p:sp>
+      <p:cxnSp>
+        <p:nvCxnSpPr>
+          <p:cNvPr id="9" name="Conector de Seta Reta 8"/>
+          <p:cNvCxnSpPr>
+            <a:endCxn id="12" idx="1"/>
+          </p:cNvCxnSpPr>
+          <p:nvPr/>
+        </p:nvCxnSpPr>
+        <p:spPr>
+          <a:xfrm>
+            <a:off x="1284458" y="928469"/>
+            <a:ext cx="1598461" cy="0"/>
+          </a:xfrm>
+          <a:prstGeom prst="straightConnector1">
+            <a:avLst/>
+          </a:prstGeom>
+          <a:ln w="69850" cmpd="sng">
+            <a:tailEnd type="stealth" w="med" len="lg"/>
+          </a:ln>
+        </p:spPr>
+        <p:style>
+          <a:lnRef idx="1">
+            <a:schemeClr val="accent1"/>
+          </a:lnRef>
+          <a:fillRef idx="0">
+            <a:schemeClr val="accent1"/>
+          </a:fillRef>
+          <a:effectRef idx="0">
+            <a:schemeClr val="accent1"/>
+          </a:effectRef>
+          <a:fontRef idx="minor">
+            <a:schemeClr val="tx1"/>
+          </a:fontRef>
+        </p:style>
+      </p:cxnSp>
       <p:pic>
         <p:nvPicPr>
-          <p:cNvPr id="4" name="Espaço Reservado para Conteúdo 3"/>
+          <p:cNvPr id="12" name="Imagem 11"/>
           <p:cNvPicPr>
-            <a:picLocks noGrp="1" noChangeAspect="1"/>
+            <a:picLocks noChangeAspect="1"/>
           </p:cNvPicPr>
-          <p:nvPr>
-            <p:ph idx="1"/>
-          </p:nvPr>
+          <p:nvPr/>
         </p:nvPicPr>
         <p:blipFill>
-          <a:blip r:embed="rId2"/>
+          <a:blip r:embed="rId3"/>
           <a:stretch>
             <a:fillRect/>
           </a:stretch>
         </p:blipFill>
         <p:spPr>
           <a:xfrm>
-            <a:off x="717550" y="419100"/>
-            <a:ext cx="933450" cy="1166813"/>
+            <a:off x="2882919" y="395069"/>
+            <a:ext cx="2566989" cy="1066800"/>
           </a:xfrm>
           <a:prstGeom prst="rect">
             <a:avLst/>
           </a:prstGeom>
         </p:spPr>
       </p:pic>
+      <p:sp>
+        <p:nvSpPr>
+          <p:cNvPr id="13" name="CaixaDeTexto 12"/>
+          <p:cNvSpPr txBox="1"/>
+          <p:nvPr/>
+        </p:nvSpPr>
+        <p:spPr>
+          <a:xfrm>
+            <a:off x="3113051" y="1546808"/>
+            <a:ext cx="2096086" cy="369332"/>
+          </a:xfrm>
+          <a:prstGeom prst="rect">
+            <a:avLst/>
+          </a:prstGeom>
+        </p:spPr>
+        <p:style>
+          <a:lnRef idx="1">
+            <a:schemeClr val="accent6"/>
+          </a:lnRef>
+          <a:fillRef idx="2">
+            <a:schemeClr val="accent6"/>
+          </a:fillRef>
+          <a:effectRef idx="1">
+            <a:schemeClr val="accent6"/>
+          </a:effectRef>
+          <a:fontRef idx="minor">
+            <a:schemeClr val="dk1"/>
+          </a:fontRef>
+        </p:style>
+        <p:txBody>
+          <a:bodyPr wrap="square" rtlCol="0">
+            <a:spAutoFit/>
+          </a:bodyPr>
+          <a:lstStyle/>
+          <a:p>
+            <a:pPr algn="ctr"/>
+            <a:r>
+              <a:rPr lang="pt-BR" dirty="0" smtClean="0">
+                <a:solidFill>
+                  <a:schemeClr val="accent6">
+                    <a:lumMod val="75000"/>
+                  </a:schemeClr>
+                </a:solidFill>
+                <a:latin typeface="Franklin Gothic Demi" panose="020B0703020102020204" pitchFamily="34" charset="0"/>
+              </a:rPr>
+              <a:t>instalação</a:t>
+            </a:r>
+            <a:endParaRPr lang="pt-BR" dirty="0">
+              <a:solidFill>
+                <a:schemeClr val="accent6">
+                  <a:lumMod val="75000"/>
+                </a:schemeClr>
+              </a:solidFill>
+              <a:latin typeface="Franklin Gothic Demi" panose="020B0703020102020204" pitchFamily="34" charset="0"/>
+            </a:endParaRPr>
+          </a:p>
+        </p:txBody>
+      </p:sp>
+      <p:cxnSp>
+        <p:nvCxnSpPr>
+          <p:cNvPr id="14" name="Conector de Seta Reta 13"/>
+          <p:cNvCxnSpPr>
+            <a:stCxn id="12" idx="3"/>
+            <a:endCxn id="15" idx="1"/>
+          </p:cNvCxnSpPr>
+          <p:nvPr/>
+        </p:nvCxnSpPr>
+        <p:spPr>
+          <a:xfrm flipV="1">
+            <a:off x="5449908" y="917145"/>
+            <a:ext cx="1523368" cy="11324"/>
+          </a:xfrm>
+          <a:prstGeom prst="straightConnector1">
+            <a:avLst/>
+          </a:prstGeom>
+          <a:ln w="69850" cmpd="sng">
+            <a:tailEnd type="stealth" w="med" len="lg"/>
+          </a:ln>
+        </p:spPr>
+        <p:style>
+          <a:lnRef idx="1">
+            <a:schemeClr val="accent1"/>
+          </a:lnRef>
+          <a:fillRef idx="0">
+            <a:schemeClr val="accent1"/>
+          </a:fillRef>
+          <a:effectRef idx="0">
+            <a:schemeClr val="accent1"/>
+          </a:effectRef>
+          <a:fontRef idx="minor">
+            <a:schemeClr val="tx1"/>
+          </a:fontRef>
+        </p:style>
+      </p:cxnSp>
+      <p:pic>
+        <p:nvPicPr>
+          <p:cNvPr id="15" name="Imagem 14"/>
+          <p:cNvPicPr>
+            <a:picLocks noChangeAspect="1"/>
+          </p:cNvPicPr>
+          <p:nvPr/>
+        </p:nvPicPr>
+        <p:blipFill>
+          <a:blip r:embed="rId4"/>
+          <a:stretch>
+            <a:fillRect/>
+          </a:stretch>
+        </p:blipFill>
+        <p:spPr>
+          <a:xfrm>
+            <a:off x="6973276" y="366933"/>
+            <a:ext cx="1739939" cy="1100424"/>
+          </a:xfrm>
+          <a:prstGeom prst="rect">
+            <a:avLst/>
+          </a:prstGeom>
+        </p:spPr>
+      </p:pic>
+      <p:sp>
+        <p:nvSpPr>
+          <p:cNvPr id="20" name="CaixaDeTexto 19"/>
+          <p:cNvSpPr txBox="1"/>
+          <p:nvPr/>
+        </p:nvSpPr>
+        <p:spPr>
+          <a:xfrm>
+            <a:off x="6795202" y="1546808"/>
+            <a:ext cx="2096086" cy="369332"/>
+          </a:xfrm>
+          <a:prstGeom prst="rect">
+            <a:avLst/>
+          </a:prstGeom>
+        </p:spPr>
+        <p:style>
+          <a:lnRef idx="1">
+            <a:schemeClr val="accent6"/>
+          </a:lnRef>
+          <a:fillRef idx="2">
+            <a:schemeClr val="accent6"/>
+          </a:fillRef>
+          <a:effectRef idx="1">
+            <a:schemeClr val="accent6"/>
+          </a:effectRef>
+          <a:fontRef idx="minor">
+            <a:schemeClr val="dk1"/>
+          </a:fontRef>
+        </p:style>
+        <p:txBody>
+          <a:bodyPr wrap="square" rtlCol="0">
+            <a:spAutoFit/>
+          </a:bodyPr>
+          <a:lstStyle/>
+          <a:p>
+            <a:pPr algn="ctr"/>
+            <a:r>
+              <a:rPr lang="pt-BR" dirty="0" smtClean="0">
+                <a:solidFill>
+                  <a:schemeClr val="accent6">
+                    <a:lumMod val="75000"/>
+                  </a:schemeClr>
+                </a:solidFill>
+                <a:latin typeface="Franklin Gothic Demi" panose="020B0703020102020204" pitchFamily="34" charset="0"/>
+              </a:rPr>
+              <a:t>Cadastro</a:t>
+            </a:r>
+            <a:endParaRPr lang="pt-BR" dirty="0">
+              <a:solidFill>
+                <a:schemeClr val="accent6">
+                  <a:lumMod val="75000"/>
+                </a:schemeClr>
+              </a:solidFill>
+              <a:latin typeface="Franklin Gothic Demi" panose="020B0703020102020204" pitchFamily="34" charset="0"/>
+            </a:endParaRPr>
+          </a:p>
+        </p:txBody>
+      </p:sp>
+      <p:pic>
+        <p:nvPicPr>
+          <p:cNvPr id="23" name="Imagem 22"/>
+          <p:cNvPicPr>
+            <a:picLocks noChangeAspect="1"/>
+          </p:cNvPicPr>
+          <p:nvPr/>
+        </p:nvPicPr>
+        <p:blipFill>
+          <a:blip r:embed="rId5"/>
+          <a:stretch>
+            <a:fillRect/>
+          </a:stretch>
+        </p:blipFill>
+        <p:spPr>
+          <a:xfrm>
+            <a:off x="9821776" y="1679107"/>
+            <a:ext cx="1311153" cy="1209087"/>
+          </a:xfrm>
+          <a:prstGeom prst="rect">
+            <a:avLst/>
+          </a:prstGeom>
+        </p:spPr>
+      </p:pic>
+      <p:sp>
+        <p:nvSpPr>
+          <p:cNvPr id="24" name="CaixaDeTexto 23"/>
+          <p:cNvSpPr txBox="1"/>
+          <p:nvPr/>
+        </p:nvSpPr>
+        <p:spPr>
+          <a:xfrm>
+            <a:off x="9429309" y="2967645"/>
+            <a:ext cx="2096086" cy="369332"/>
+          </a:xfrm>
+          <a:prstGeom prst="rect">
+            <a:avLst/>
+          </a:prstGeom>
+        </p:spPr>
+        <p:style>
+          <a:lnRef idx="1">
+            <a:schemeClr val="accent6"/>
+          </a:lnRef>
+          <a:fillRef idx="2">
+            <a:schemeClr val="accent6"/>
+          </a:fillRef>
+          <a:effectRef idx="1">
+            <a:schemeClr val="accent6"/>
+          </a:effectRef>
+          <a:fontRef idx="minor">
+            <a:schemeClr val="dk1"/>
+          </a:fontRef>
+        </p:style>
+        <p:txBody>
+          <a:bodyPr wrap="square" rtlCol="0">
+            <a:spAutoFit/>
+          </a:bodyPr>
+          <a:lstStyle/>
+          <a:p>
+            <a:pPr algn="ctr"/>
+            <a:r>
+              <a:rPr lang="pt-BR" dirty="0" smtClean="0">
+                <a:solidFill>
+                  <a:schemeClr val="accent6">
+                    <a:lumMod val="75000"/>
+                  </a:schemeClr>
+                </a:solidFill>
+                <a:latin typeface="Franklin Gothic Demi" panose="020B0703020102020204" pitchFamily="34" charset="0"/>
+              </a:rPr>
+              <a:t>Monitoramento</a:t>
+            </a:r>
+            <a:endParaRPr lang="pt-BR" dirty="0">
+              <a:solidFill>
+                <a:schemeClr val="accent6">
+                  <a:lumMod val="75000"/>
+                </a:schemeClr>
+              </a:solidFill>
+              <a:latin typeface="Franklin Gothic Demi" panose="020B0703020102020204" pitchFamily="34" charset="0"/>
+            </a:endParaRPr>
+          </a:p>
+        </p:txBody>
+      </p:sp>
+      <p:cxnSp>
+        <p:nvCxnSpPr>
+          <p:cNvPr id="26" name="Conector Angulado 25"/>
+          <p:cNvCxnSpPr>
+            <a:stCxn id="15" idx="3"/>
+            <a:endCxn id="23" idx="0"/>
+          </p:cNvCxnSpPr>
+          <p:nvPr/>
+        </p:nvCxnSpPr>
+        <p:spPr>
+          <a:xfrm>
+            <a:off x="8713215" y="917145"/>
+            <a:ext cx="1764138" cy="761962"/>
+          </a:xfrm>
+          <a:prstGeom prst="bentConnector2">
+            <a:avLst/>
+          </a:prstGeom>
+          <a:ln w="69850">
+            <a:tailEnd type="stealth" w="med" len="lg"/>
+          </a:ln>
+        </p:spPr>
+        <p:style>
+          <a:lnRef idx="1">
+            <a:schemeClr val="accent1"/>
+          </a:lnRef>
+          <a:fillRef idx="0">
+            <a:schemeClr val="accent1"/>
+          </a:fillRef>
+          <a:effectRef idx="0">
+            <a:schemeClr val="accent1"/>
+          </a:effectRef>
+          <a:fontRef idx="minor">
+            <a:schemeClr val="tx1"/>
+          </a:fontRef>
+        </p:style>
+      </p:cxnSp>
+      <p:pic>
+        <p:nvPicPr>
+          <p:cNvPr id="35" name="Imagem 34"/>
+          <p:cNvPicPr>
+            <a:picLocks noChangeAspect="1"/>
+          </p:cNvPicPr>
+          <p:nvPr/>
+        </p:nvPicPr>
+        <p:blipFill>
+          <a:blip r:embed="rId6"/>
+          <a:stretch>
+            <a:fillRect/>
+          </a:stretch>
+        </p:blipFill>
+        <p:spPr>
+          <a:xfrm>
+            <a:off x="9739140" y="4760180"/>
+            <a:ext cx="1476424" cy="1317938"/>
+          </a:xfrm>
+          <a:prstGeom prst="rect">
+            <a:avLst/>
+          </a:prstGeom>
+        </p:spPr>
+      </p:pic>
+      <p:cxnSp>
+        <p:nvCxnSpPr>
+          <p:cNvPr id="36" name="Conector de Seta Reta 35"/>
+          <p:cNvCxnSpPr>
+            <a:endCxn id="35" idx="0"/>
+          </p:cNvCxnSpPr>
+          <p:nvPr/>
+        </p:nvCxnSpPr>
+        <p:spPr>
+          <a:xfrm>
+            <a:off x="10477352" y="3477654"/>
+            <a:ext cx="0" cy="1282526"/>
+          </a:xfrm>
+          <a:prstGeom prst="straightConnector1">
+            <a:avLst/>
+          </a:prstGeom>
+          <a:ln w="69850" cmpd="sng">
+            <a:tailEnd type="stealth" w="med" len="lg"/>
+          </a:ln>
+        </p:spPr>
+        <p:style>
+          <a:lnRef idx="1">
+            <a:schemeClr val="accent1"/>
+          </a:lnRef>
+          <a:fillRef idx="0">
+            <a:schemeClr val="accent1"/>
+          </a:fillRef>
+          <a:effectRef idx="0">
+            <a:schemeClr val="accent1"/>
+          </a:effectRef>
+          <a:fontRef idx="minor">
+            <a:schemeClr val="tx1"/>
+          </a:fontRef>
+        </p:style>
+      </p:cxnSp>
+      <p:sp>
+        <p:nvSpPr>
+          <p:cNvPr id="41" name="CaixaDeTexto 40"/>
+          <p:cNvSpPr txBox="1"/>
+          <p:nvPr/>
+        </p:nvSpPr>
+        <p:spPr>
+          <a:xfrm>
+            <a:off x="9429309" y="6027915"/>
+            <a:ext cx="2096086" cy="369332"/>
+          </a:xfrm>
+          <a:prstGeom prst="rect">
+            <a:avLst/>
+          </a:prstGeom>
+        </p:spPr>
+        <p:style>
+          <a:lnRef idx="1">
+            <a:schemeClr val="accent6"/>
+          </a:lnRef>
+          <a:fillRef idx="2">
+            <a:schemeClr val="accent6"/>
+          </a:fillRef>
+          <a:effectRef idx="1">
+            <a:schemeClr val="accent6"/>
+          </a:effectRef>
+          <a:fontRef idx="minor">
+            <a:schemeClr val="dk1"/>
+          </a:fontRef>
+        </p:style>
+        <p:txBody>
+          <a:bodyPr wrap="square" rtlCol="0">
+            <a:spAutoFit/>
+          </a:bodyPr>
+          <a:lstStyle/>
+          <a:p>
+            <a:pPr algn="ctr"/>
+            <a:r>
+              <a:rPr lang="pt-BR" dirty="0" smtClean="0">
+                <a:solidFill>
+                  <a:schemeClr val="accent6">
+                    <a:lumMod val="75000"/>
+                  </a:schemeClr>
+                </a:solidFill>
+                <a:latin typeface="Franklin Gothic Demi" panose="020B0703020102020204" pitchFamily="34" charset="0"/>
+              </a:rPr>
+              <a:t>Upload de dados</a:t>
+            </a:r>
+            <a:endParaRPr lang="pt-BR" dirty="0">
+              <a:solidFill>
+                <a:schemeClr val="accent6">
+                  <a:lumMod val="75000"/>
+                </a:schemeClr>
+              </a:solidFill>
+              <a:latin typeface="Franklin Gothic Demi" panose="020B0703020102020204" pitchFamily="34" charset="0"/>
+            </a:endParaRPr>
+          </a:p>
+        </p:txBody>
+      </p:sp>
+      <p:cxnSp>
+        <p:nvCxnSpPr>
+          <p:cNvPr id="43" name="Conector Angulado 42"/>
+          <p:cNvCxnSpPr/>
+          <p:nvPr/>
+        </p:nvCxnSpPr>
+        <p:spPr>
+          <a:xfrm rot="10800000" flipV="1">
+            <a:off x="7863674" y="5322806"/>
+            <a:ext cx="1731613" cy="302491"/>
+          </a:xfrm>
+          <a:prstGeom prst="bentConnector3">
+            <a:avLst>
+              <a:gd name="adj1" fmla="val 50000"/>
+            </a:avLst>
+          </a:prstGeom>
+          <a:ln w="69850">
+            <a:tailEnd type="stealth" w="med" len="lg"/>
+          </a:ln>
+        </p:spPr>
+        <p:style>
+          <a:lnRef idx="1">
+            <a:schemeClr val="accent1"/>
+          </a:lnRef>
+          <a:fillRef idx="0">
+            <a:schemeClr val="accent1"/>
+          </a:fillRef>
+          <a:effectRef idx="0">
+            <a:schemeClr val="accent1"/>
+          </a:effectRef>
+          <a:fontRef idx="minor">
+            <a:schemeClr val="tx1"/>
+          </a:fontRef>
+        </p:style>
+      </p:cxnSp>
+      <p:pic>
+        <p:nvPicPr>
+          <p:cNvPr id="53" name="Imagem 52"/>
+          <p:cNvPicPr>
+            <a:picLocks noChangeAspect="1"/>
+          </p:cNvPicPr>
+          <p:nvPr/>
+        </p:nvPicPr>
+        <p:blipFill>
+          <a:blip r:embed="rId7"/>
+          <a:stretch>
+            <a:fillRect/>
+          </a:stretch>
+        </p:blipFill>
+        <p:spPr>
+          <a:xfrm>
+            <a:off x="6282458" y="4785281"/>
+            <a:ext cx="1592275" cy="1267735"/>
+          </a:xfrm>
+          <a:prstGeom prst="rect">
+            <a:avLst/>
+          </a:prstGeom>
+        </p:spPr>
+      </p:pic>
+      <p:sp>
+        <p:nvSpPr>
+          <p:cNvPr id="54" name="CaixaDeTexto 53"/>
+          <p:cNvSpPr txBox="1"/>
+          <p:nvPr/>
+        </p:nvSpPr>
+        <p:spPr>
+          <a:xfrm>
+            <a:off x="5904329" y="6074081"/>
+            <a:ext cx="2115185" cy="646331"/>
+          </a:xfrm>
+          <a:prstGeom prst="rect">
+            <a:avLst/>
+          </a:prstGeom>
+        </p:spPr>
+        <p:style>
+          <a:lnRef idx="1">
+            <a:schemeClr val="accent6"/>
+          </a:lnRef>
+          <a:fillRef idx="2">
+            <a:schemeClr val="accent6"/>
+          </a:fillRef>
+          <a:effectRef idx="1">
+            <a:schemeClr val="accent6"/>
+          </a:effectRef>
+          <a:fontRef idx="minor">
+            <a:schemeClr val="dk1"/>
+          </a:fontRef>
+        </p:style>
+        <p:txBody>
+          <a:bodyPr wrap="square" rtlCol="0">
+            <a:spAutoFit/>
+          </a:bodyPr>
+          <a:lstStyle/>
+          <a:p>
+            <a:pPr algn="ctr"/>
+            <a:r>
+              <a:rPr lang="pt-BR" dirty="0" smtClean="0">
+                <a:solidFill>
+                  <a:schemeClr val="accent6">
+                    <a:lumMod val="75000"/>
+                  </a:schemeClr>
+                </a:solidFill>
+                <a:latin typeface="Franklin Gothic Demi" panose="020B0703020102020204" pitchFamily="34" charset="0"/>
+              </a:rPr>
+              <a:t>Conta </a:t>
+            </a:r>
+            <a:r>
+              <a:rPr lang="pt-BR" dirty="0" err="1" smtClean="0">
+                <a:solidFill>
+                  <a:schemeClr val="accent6">
+                    <a:lumMod val="75000"/>
+                  </a:schemeClr>
+                </a:solidFill>
+                <a:latin typeface="Franklin Gothic Demi" panose="020B0703020102020204" pitchFamily="34" charset="0"/>
+              </a:rPr>
+              <a:t>free</a:t>
+            </a:r>
+            <a:r>
+              <a:rPr lang="pt-BR" dirty="0" smtClean="0">
+                <a:solidFill>
+                  <a:schemeClr val="accent6">
+                    <a:lumMod val="75000"/>
+                  </a:schemeClr>
+                </a:solidFill>
+                <a:latin typeface="Franklin Gothic Demi" panose="020B0703020102020204" pitchFamily="34" charset="0"/>
+              </a:rPr>
+              <a:t>, acesso aos dados</a:t>
+            </a:r>
+            <a:endParaRPr lang="pt-BR" dirty="0">
+              <a:solidFill>
+                <a:schemeClr val="accent6">
+                  <a:lumMod val="75000"/>
+                </a:schemeClr>
+              </a:solidFill>
+              <a:latin typeface="Franklin Gothic Demi" panose="020B0703020102020204" pitchFamily="34" charset="0"/>
+            </a:endParaRPr>
+          </a:p>
+        </p:txBody>
+      </p:sp>
+      <p:cxnSp>
+        <p:nvCxnSpPr>
+          <p:cNvPr id="56" name="Conector Angulado 55"/>
+          <p:cNvCxnSpPr>
+            <a:endCxn id="71" idx="3"/>
+          </p:cNvCxnSpPr>
+          <p:nvPr/>
+        </p:nvCxnSpPr>
+        <p:spPr>
+          <a:xfrm rot="10800000">
+            <a:off x="7771342" y="3408161"/>
+            <a:ext cx="1823945" cy="1701407"/>
+          </a:xfrm>
+          <a:prstGeom prst="bentConnector3">
+            <a:avLst>
+              <a:gd name="adj1" fmla="val 46915"/>
+            </a:avLst>
+          </a:prstGeom>
+          <a:ln w="69850">
+            <a:tailEnd type="stealth" w="med" len="lg"/>
+          </a:ln>
+        </p:spPr>
+        <p:style>
+          <a:lnRef idx="1">
+            <a:schemeClr val="accent1"/>
+          </a:lnRef>
+          <a:fillRef idx="0">
+            <a:schemeClr val="accent1"/>
+          </a:fillRef>
+          <a:effectRef idx="0">
+            <a:schemeClr val="accent1"/>
+          </a:effectRef>
+          <a:fontRef idx="minor">
+            <a:schemeClr val="tx1"/>
+          </a:fontRef>
+        </p:style>
+      </p:cxnSp>
+      <p:pic>
+        <p:nvPicPr>
+          <p:cNvPr id="71" name="Imagem 70"/>
+          <p:cNvPicPr>
+            <a:picLocks noChangeAspect="1"/>
+          </p:cNvPicPr>
+          <p:nvPr/>
+        </p:nvPicPr>
+        <p:blipFill>
+          <a:blip r:embed="rId8"/>
+          <a:stretch>
+            <a:fillRect/>
+          </a:stretch>
+        </p:blipFill>
+        <p:spPr>
+          <a:xfrm>
+            <a:off x="6354364" y="2685358"/>
+            <a:ext cx="1416977" cy="1445603"/>
+          </a:xfrm>
+          <a:prstGeom prst="rect">
+            <a:avLst/>
+          </a:prstGeom>
+        </p:spPr>
+      </p:pic>
+      <p:sp>
+        <p:nvSpPr>
+          <p:cNvPr id="74" name="CaixaDeTexto 73"/>
+          <p:cNvSpPr txBox="1"/>
+          <p:nvPr/>
+        </p:nvSpPr>
+        <p:spPr>
+          <a:xfrm>
+            <a:off x="5650913" y="4150605"/>
+            <a:ext cx="2644726" cy="646331"/>
+          </a:xfrm>
+          <a:prstGeom prst="rect">
+            <a:avLst/>
+          </a:prstGeom>
+        </p:spPr>
+        <p:style>
+          <a:lnRef idx="1">
+            <a:schemeClr val="accent6"/>
+          </a:lnRef>
+          <a:fillRef idx="2">
+            <a:schemeClr val="accent6"/>
+          </a:fillRef>
+          <a:effectRef idx="1">
+            <a:schemeClr val="accent6"/>
+          </a:effectRef>
+          <a:fontRef idx="minor">
+            <a:schemeClr val="dk1"/>
+          </a:fontRef>
+        </p:style>
+        <p:txBody>
+          <a:bodyPr wrap="square" rtlCol="0">
+            <a:spAutoFit/>
+          </a:bodyPr>
+          <a:lstStyle/>
+          <a:p>
+            <a:pPr algn="ctr"/>
+            <a:r>
+              <a:rPr lang="pt-BR" dirty="0" smtClean="0">
+                <a:solidFill>
+                  <a:schemeClr val="accent6">
+                    <a:lumMod val="75000"/>
+                  </a:schemeClr>
+                </a:solidFill>
+                <a:latin typeface="Franklin Gothic Demi" panose="020B0703020102020204" pitchFamily="34" charset="0"/>
+              </a:rPr>
+              <a:t>Conta VIP, atualizações e instruções</a:t>
+            </a:r>
+            <a:endParaRPr lang="pt-BR" dirty="0">
+              <a:solidFill>
+                <a:schemeClr val="accent6">
+                  <a:lumMod val="75000"/>
+                </a:schemeClr>
+              </a:solidFill>
+              <a:latin typeface="Franklin Gothic Demi" panose="020B0703020102020204" pitchFamily="34" charset="0"/>
+            </a:endParaRPr>
+          </a:p>
+        </p:txBody>
+      </p:sp>
+      <p:pic>
+        <p:nvPicPr>
+          <p:cNvPr id="75" name="Imagem 74"/>
+          <p:cNvPicPr>
+            <a:picLocks noChangeAspect="1"/>
+          </p:cNvPicPr>
+          <p:nvPr/>
+        </p:nvPicPr>
+        <p:blipFill>
+          <a:blip r:embed="rId9"/>
+          <a:stretch>
+            <a:fillRect/>
+          </a:stretch>
+        </p:blipFill>
+        <p:spPr>
+          <a:xfrm>
+            <a:off x="2695689" y="4684160"/>
+            <a:ext cx="1558698" cy="1368856"/>
+          </a:xfrm>
+          <a:prstGeom prst="rect">
+            <a:avLst/>
+          </a:prstGeom>
+        </p:spPr>
+      </p:pic>
+      <p:sp>
+        <p:nvSpPr>
+          <p:cNvPr id="76" name="CaixaDeTexto 75"/>
+          <p:cNvSpPr txBox="1"/>
+          <p:nvPr/>
+        </p:nvSpPr>
+        <p:spPr>
+          <a:xfrm>
+            <a:off x="2501109" y="6074080"/>
+            <a:ext cx="1993425" cy="646331"/>
+          </a:xfrm>
+          <a:prstGeom prst="rect">
+            <a:avLst/>
+          </a:prstGeom>
+        </p:spPr>
+        <p:style>
+          <a:lnRef idx="1">
+            <a:schemeClr val="accent6"/>
+          </a:lnRef>
+          <a:fillRef idx="2">
+            <a:schemeClr val="accent6"/>
+          </a:fillRef>
+          <a:effectRef idx="1">
+            <a:schemeClr val="accent6"/>
+          </a:effectRef>
+          <a:fontRef idx="minor">
+            <a:schemeClr val="dk1"/>
+          </a:fontRef>
+        </p:style>
+        <p:txBody>
+          <a:bodyPr wrap="square" rtlCol="0">
+            <a:spAutoFit/>
+          </a:bodyPr>
+          <a:lstStyle/>
+          <a:p>
+            <a:pPr algn="ctr"/>
+            <a:r>
+              <a:rPr lang="pt-BR" dirty="0" smtClean="0">
+                <a:solidFill>
+                  <a:schemeClr val="accent6">
+                    <a:lumMod val="75000"/>
+                  </a:schemeClr>
+                </a:solidFill>
+                <a:latin typeface="Franklin Gothic Demi" panose="020B0703020102020204" pitchFamily="34" charset="0"/>
+              </a:rPr>
+              <a:t>Cultivo adequado da planta</a:t>
+            </a:r>
+            <a:endParaRPr lang="pt-BR" dirty="0">
+              <a:solidFill>
+                <a:schemeClr val="accent6">
+                  <a:lumMod val="75000"/>
+                </a:schemeClr>
+              </a:solidFill>
+              <a:latin typeface="Franklin Gothic Demi" panose="020B0703020102020204" pitchFamily="34" charset="0"/>
+            </a:endParaRPr>
+          </a:p>
+        </p:txBody>
+      </p:sp>
+      <p:cxnSp>
+        <p:nvCxnSpPr>
+          <p:cNvPr id="81" name="Conector Angulado 80"/>
+          <p:cNvCxnSpPr>
+            <a:endCxn id="75" idx="3"/>
+          </p:cNvCxnSpPr>
+          <p:nvPr/>
+        </p:nvCxnSpPr>
+        <p:spPr>
+          <a:xfrm rot="10800000" flipV="1">
+            <a:off x="4254387" y="3477654"/>
+            <a:ext cx="1956124" cy="1890934"/>
+          </a:xfrm>
+          <a:prstGeom prst="bentConnector3">
+            <a:avLst>
+              <a:gd name="adj1" fmla="val 50000"/>
+            </a:avLst>
+          </a:prstGeom>
+          <a:ln w="69850">
+            <a:tailEnd type="stealth" w="med" len="lg"/>
+          </a:ln>
+        </p:spPr>
+        <p:style>
+          <a:lnRef idx="1">
+            <a:schemeClr val="accent1"/>
+          </a:lnRef>
+          <a:fillRef idx="0">
+            <a:schemeClr val="accent1"/>
+          </a:fillRef>
+          <a:effectRef idx="0">
+            <a:schemeClr val="accent1"/>
+          </a:effectRef>
+          <a:fontRef idx="minor">
+            <a:schemeClr val="tx1"/>
+          </a:fontRef>
+        </p:style>
+      </p:cxnSp>
+      <p:cxnSp>
+        <p:nvCxnSpPr>
+          <p:cNvPr id="86" name="Conector Angulado 85"/>
+          <p:cNvCxnSpPr/>
+          <p:nvPr/>
+        </p:nvCxnSpPr>
+        <p:spPr>
+          <a:xfrm rot="10800000">
+            <a:off x="5218347" y="5092279"/>
+            <a:ext cx="1000827" cy="674613"/>
+          </a:xfrm>
+          <a:prstGeom prst="bentConnector3">
+            <a:avLst>
+              <a:gd name="adj1" fmla="val 99196"/>
+            </a:avLst>
+          </a:prstGeom>
+          <a:ln w="69850"/>
+        </p:spPr>
+        <p:style>
+          <a:lnRef idx="1">
+            <a:schemeClr val="accent1"/>
+          </a:lnRef>
+          <a:fillRef idx="0">
+            <a:schemeClr val="accent1"/>
+          </a:fillRef>
+          <a:effectRef idx="0">
+            <a:schemeClr val="accent1"/>
+          </a:effectRef>
+          <a:fontRef idx="minor">
+            <a:schemeClr val="tx1"/>
+          </a:fontRef>
+        </p:style>
+      </p:cxnSp>
+      <p:pic>
+        <p:nvPicPr>
+          <p:cNvPr id="89" name="Imagem 88"/>
+          <p:cNvPicPr>
+            <a:picLocks noChangeAspect="1"/>
+          </p:cNvPicPr>
+          <p:nvPr/>
+        </p:nvPicPr>
+        <p:blipFill>
+          <a:blip r:embed="rId10"/>
+          <a:stretch>
+            <a:fillRect/>
+          </a:stretch>
+        </p:blipFill>
+        <p:spPr>
+          <a:xfrm>
+            <a:off x="197687" y="2241575"/>
+            <a:ext cx="1329300" cy="1805969"/>
+          </a:xfrm>
+          <a:prstGeom prst="rect">
+            <a:avLst/>
+          </a:prstGeom>
+        </p:spPr>
+      </p:pic>
+      <p:sp>
+        <p:nvSpPr>
+          <p:cNvPr id="90" name="CaixaDeTexto 89"/>
+          <p:cNvSpPr txBox="1"/>
+          <p:nvPr/>
+        </p:nvSpPr>
+        <p:spPr>
+          <a:xfrm>
+            <a:off x="68261" y="4164917"/>
+            <a:ext cx="1993425" cy="646331"/>
+          </a:xfrm>
+          <a:prstGeom prst="rect">
+            <a:avLst/>
+          </a:prstGeom>
+        </p:spPr>
+        <p:style>
+          <a:lnRef idx="1">
+            <a:schemeClr val="accent6"/>
+          </a:lnRef>
+          <a:fillRef idx="2">
+            <a:schemeClr val="accent6"/>
+          </a:fillRef>
+          <a:effectRef idx="1">
+            <a:schemeClr val="accent6"/>
+          </a:effectRef>
+          <a:fontRef idx="minor">
+            <a:schemeClr val="dk1"/>
+          </a:fontRef>
+        </p:style>
+        <p:txBody>
+          <a:bodyPr wrap="square" rtlCol="0">
+            <a:spAutoFit/>
+          </a:bodyPr>
+          <a:lstStyle/>
+          <a:p>
+            <a:pPr algn="ctr"/>
+            <a:r>
+              <a:rPr lang="pt-BR" dirty="0" smtClean="0">
+                <a:solidFill>
+                  <a:schemeClr val="accent6">
+                    <a:lumMod val="75000"/>
+                  </a:schemeClr>
+                </a:solidFill>
+                <a:latin typeface="Franklin Gothic Demi" panose="020B0703020102020204" pitchFamily="34" charset="0"/>
+              </a:rPr>
+              <a:t>Atualizações de novas plantas</a:t>
+            </a:r>
+            <a:endParaRPr lang="pt-BR" dirty="0">
+              <a:solidFill>
+                <a:schemeClr val="accent6">
+                  <a:lumMod val="75000"/>
+                </a:schemeClr>
+              </a:solidFill>
+              <a:latin typeface="Franklin Gothic Demi" panose="020B0703020102020204" pitchFamily="34" charset="0"/>
+            </a:endParaRPr>
+          </a:p>
+        </p:txBody>
+      </p:sp>
+      <p:cxnSp>
+        <p:nvCxnSpPr>
+          <p:cNvPr id="91" name="Conector Angulado 90"/>
+          <p:cNvCxnSpPr/>
+          <p:nvPr/>
+        </p:nvCxnSpPr>
+        <p:spPr>
+          <a:xfrm rot="10800000">
+            <a:off x="1010059" y="4952841"/>
+            <a:ext cx="1486862" cy="476745"/>
+          </a:xfrm>
+          <a:prstGeom prst="bentConnector2">
+            <a:avLst/>
+          </a:prstGeom>
+          <a:ln w="69850">
+            <a:tailEnd type="stealth" w="med" len="lg"/>
+          </a:ln>
+        </p:spPr>
+        <p:style>
+          <a:lnRef idx="1">
+            <a:schemeClr val="accent1"/>
+          </a:lnRef>
+          <a:fillRef idx="0">
+            <a:schemeClr val="accent1"/>
+          </a:fillRef>
+          <a:effectRef idx="0">
+            <a:schemeClr val="accent1"/>
+          </a:effectRef>
+          <a:fontRef idx="minor">
+            <a:schemeClr val="tx1"/>
+          </a:fontRef>
+        </p:style>
+      </p:cxnSp>
+      <p:cxnSp>
+        <p:nvCxnSpPr>
+          <p:cNvPr id="100" name="Conector Angulado 99"/>
+          <p:cNvCxnSpPr>
+            <a:endCxn id="23" idx="1"/>
+          </p:cNvCxnSpPr>
+          <p:nvPr/>
+        </p:nvCxnSpPr>
+        <p:spPr>
+          <a:xfrm flipV="1">
+            <a:off x="1864039" y="2283651"/>
+            <a:ext cx="7957737" cy="851788"/>
+          </a:xfrm>
+          <a:prstGeom prst="bentConnector3">
+            <a:avLst>
+              <a:gd name="adj1" fmla="val 20831"/>
+            </a:avLst>
+          </a:prstGeom>
+          <a:ln w="69850">
+            <a:tailEnd type="stealth" w="med" len="lg"/>
+          </a:ln>
+        </p:spPr>
+        <p:style>
+          <a:lnRef idx="1">
+            <a:schemeClr val="accent1"/>
+          </a:lnRef>
+          <a:fillRef idx="0">
+            <a:schemeClr val="accent1"/>
+          </a:fillRef>
+          <a:effectRef idx="0">
+            <a:schemeClr val="accent1"/>
+          </a:effectRef>
+          <a:fontRef idx="minor">
+            <a:schemeClr val="tx1"/>
+          </a:fontRef>
+        </p:style>
+      </p:cxnSp>
     </p:spTree>
     <p:extLst>
       <p:ext uri="{BB962C8B-B14F-4D97-AF65-F5344CB8AC3E}">
@@ -3138,384 +4103,6 @@
       </p:par>
     </p:tnLst>
   </p:timing>
-</p:sld>
-</file>
-
-<file path=ppt/slides/slide3.xml><?xml version="1.0" encoding="utf-8"?>
-<p:sld xmlns:a="http://schemas.openxmlformats.org/drawingml/2006/main" xmlns:r="http://schemas.openxmlformats.org/officeDocument/2006/relationships" xmlns:p="http://schemas.openxmlformats.org/presentationml/2006/main">
-  <p:cSld>
-    <p:spTree>
-      <p:nvGrpSpPr>
-        <p:cNvPr id="1" name=""/>
-        <p:cNvGrpSpPr/>
-        <p:nvPr/>
-      </p:nvGrpSpPr>
-      <p:grpSpPr>
-        <a:xfrm>
-          <a:off x="0" y="0"/>
-          <a:ext cx="0" cy="0"/>
-          <a:chOff x="0" y="0"/>
-          <a:chExt cx="0" cy="0"/>
-        </a:xfrm>
-      </p:grpSpPr>
-      <p:pic>
-        <p:nvPicPr>
-          <p:cNvPr id="4" name="Imagem 3"/>
-          <p:cNvPicPr>
-            <a:picLocks noChangeAspect="1"/>
-          </p:cNvPicPr>
-          <p:nvPr/>
-        </p:nvPicPr>
-        <p:blipFill>
-          <a:blip r:embed="rId2"/>
-          <a:stretch>
-            <a:fillRect/>
-          </a:stretch>
-        </p:blipFill>
-        <p:spPr>
-          <a:xfrm>
-            <a:off x="4748212" y="2895600"/>
-            <a:ext cx="2695575" cy="1066800"/>
-          </a:xfrm>
-          <a:prstGeom prst="rect">
-            <a:avLst/>
-          </a:prstGeom>
-        </p:spPr>
-      </p:pic>
-    </p:spTree>
-    <p:extLst>
-      <p:ext uri="{BB962C8B-B14F-4D97-AF65-F5344CB8AC3E}">
-        <p14:creationId xmlns:p14="http://schemas.microsoft.com/office/powerpoint/2010/main" val="1903325757"/>
-      </p:ext>
-    </p:extLst>
-  </p:cSld>
-  <p:clrMapOvr>
-    <a:masterClrMapping/>
-  </p:clrMapOvr>
-</p:sld>
-</file>
-
-<file path=ppt/slides/slide4.xml><?xml version="1.0" encoding="utf-8"?>
-<p:sld xmlns:a="http://schemas.openxmlformats.org/drawingml/2006/main" xmlns:r="http://schemas.openxmlformats.org/officeDocument/2006/relationships" xmlns:p="http://schemas.openxmlformats.org/presentationml/2006/main">
-  <p:cSld>
-    <p:spTree>
-      <p:nvGrpSpPr>
-        <p:cNvPr id="1" name=""/>
-        <p:cNvGrpSpPr/>
-        <p:nvPr/>
-      </p:nvGrpSpPr>
-      <p:grpSpPr>
-        <a:xfrm>
-          <a:off x="0" y="0"/>
-          <a:ext cx="0" cy="0"/>
-          <a:chOff x="0" y="0"/>
-          <a:chExt cx="0" cy="0"/>
-        </a:xfrm>
-      </p:grpSpPr>
-      <p:pic>
-        <p:nvPicPr>
-          <p:cNvPr id="4" name="Imagem 3"/>
-          <p:cNvPicPr>
-            <a:picLocks noChangeAspect="1"/>
-          </p:cNvPicPr>
-          <p:nvPr/>
-        </p:nvPicPr>
-        <p:blipFill>
-          <a:blip r:embed="rId2"/>
-          <a:stretch>
-            <a:fillRect/>
-          </a:stretch>
-        </p:blipFill>
-        <p:spPr>
-          <a:xfrm>
-            <a:off x="4657725" y="2519362"/>
-            <a:ext cx="2876550" cy="1819275"/>
-          </a:xfrm>
-          <a:prstGeom prst="rect">
-            <a:avLst/>
-          </a:prstGeom>
-        </p:spPr>
-      </p:pic>
-    </p:spTree>
-    <p:extLst>
-      <p:ext uri="{BB962C8B-B14F-4D97-AF65-F5344CB8AC3E}">
-        <p14:creationId xmlns:p14="http://schemas.microsoft.com/office/powerpoint/2010/main" val="2506955619"/>
-      </p:ext>
-    </p:extLst>
-  </p:cSld>
-  <p:clrMapOvr>
-    <a:masterClrMapping/>
-  </p:clrMapOvr>
-</p:sld>
-</file>
-
-<file path=ppt/slides/slide5.xml><?xml version="1.0" encoding="utf-8"?>
-<p:sld xmlns:a="http://schemas.openxmlformats.org/drawingml/2006/main" xmlns:r="http://schemas.openxmlformats.org/officeDocument/2006/relationships" xmlns:p="http://schemas.openxmlformats.org/presentationml/2006/main">
-  <p:cSld>
-    <p:spTree>
-      <p:nvGrpSpPr>
-        <p:cNvPr id="1" name=""/>
-        <p:cNvGrpSpPr/>
-        <p:nvPr/>
-      </p:nvGrpSpPr>
-      <p:grpSpPr>
-        <a:xfrm>
-          <a:off x="0" y="0"/>
-          <a:ext cx="0" cy="0"/>
-          <a:chOff x="0" y="0"/>
-          <a:chExt cx="0" cy="0"/>
-        </a:xfrm>
-      </p:grpSpPr>
-      <p:pic>
-        <p:nvPicPr>
-          <p:cNvPr id="4" name="Imagem 3"/>
-          <p:cNvPicPr>
-            <a:picLocks noChangeAspect="1"/>
-          </p:cNvPicPr>
-          <p:nvPr/>
-        </p:nvPicPr>
-        <p:blipFill>
-          <a:blip r:embed="rId2"/>
-          <a:stretch>
-            <a:fillRect/>
-          </a:stretch>
-        </p:blipFill>
-        <p:spPr>
-          <a:xfrm>
-            <a:off x="5300662" y="2695575"/>
-            <a:ext cx="1590675" cy="1466850"/>
-          </a:xfrm>
-          <a:prstGeom prst="rect">
-            <a:avLst/>
-          </a:prstGeom>
-        </p:spPr>
-      </p:pic>
-    </p:spTree>
-    <p:extLst>
-      <p:ext uri="{BB962C8B-B14F-4D97-AF65-F5344CB8AC3E}">
-        <p14:creationId xmlns:p14="http://schemas.microsoft.com/office/powerpoint/2010/main" val="1670514066"/>
-      </p:ext>
-    </p:extLst>
-  </p:cSld>
-  <p:clrMapOvr>
-    <a:masterClrMapping/>
-  </p:clrMapOvr>
-</p:sld>
-</file>
-
-<file path=ppt/slides/slide6.xml><?xml version="1.0" encoding="utf-8"?>
-<p:sld xmlns:a="http://schemas.openxmlformats.org/drawingml/2006/main" xmlns:r="http://schemas.openxmlformats.org/officeDocument/2006/relationships" xmlns:p="http://schemas.openxmlformats.org/presentationml/2006/main">
-  <p:cSld>
-    <p:spTree>
-      <p:nvGrpSpPr>
-        <p:cNvPr id="1" name=""/>
-        <p:cNvGrpSpPr/>
-        <p:nvPr/>
-      </p:nvGrpSpPr>
-      <p:grpSpPr>
-        <a:xfrm>
-          <a:off x="0" y="0"/>
-          <a:ext cx="0" cy="0"/>
-          <a:chOff x="0" y="0"/>
-          <a:chExt cx="0" cy="0"/>
-        </a:xfrm>
-      </p:grpSpPr>
-      <p:pic>
-        <p:nvPicPr>
-          <p:cNvPr id="4" name="Imagem 3"/>
-          <p:cNvPicPr>
-            <a:picLocks noChangeAspect="1"/>
-          </p:cNvPicPr>
-          <p:nvPr/>
-        </p:nvPicPr>
-        <p:blipFill>
-          <a:blip r:embed="rId2"/>
-          <a:stretch>
-            <a:fillRect/>
-          </a:stretch>
-        </p:blipFill>
-        <p:spPr>
-          <a:xfrm>
-            <a:off x="5253037" y="2676525"/>
-            <a:ext cx="1685925" cy="1504950"/>
-          </a:xfrm>
-          <a:prstGeom prst="rect">
-            <a:avLst/>
-          </a:prstGeom>
-        </p:spPr>
-      </p:pic>
-    </p:spTree>
-    <p:extLst>
-      <p:ext uri="{BB962C8B-B14F-4D97-AF65-F5344CB8AC3E}">
-        <p14:creationId xmlns:p14="http://schemas.microsoft.com/office/powerpoint/2010/main" val="3871634675"/>
-      </p:ext>
-    </p:extLst>
-  </p:cSld>
-  <p:clrMapOvr>
-    <a:masterClrMapping/>
-  </p:clrMapOvr>
-</p:sld>
-</file>
-
-<file path=ppt/slides/slide7.xml><?xml version="1.0" encoding="utf-8"?>
-<p:sld xmlns:a="http://schemas.openxmlformats.org/drawingml/2006/main" xmlns:r="http://schemas.openxmlformats.org/officeDocument/2006/relationships" xmlns:p="http://schemas.openxmlformats.org/presentationml/2006/main">
-  <p:cSld>
-    <p:spTree>
-      <p:nvGrpSpPr>
-        <p:cNvPr id="1" name=""/>
-        <p:cNvGrpSpPr/>
-        <p:nvPr/>
-      </p:nvGrpSpPr>
-      <p:grpSpPr>
-        <a:xfrm>
-          <a:off x="0" y="0"/>
-          <a:ext cx="0" cy="0"/>
-          <a:chOff x="0" y="0"/>
-          <a:chExt cx="0" cy="0"/>
-        </a:xfrm>
-      </p:grpSpPr>
-      <p:pic>
-        <p:nvPicPr>
-          <p:cNvPr id="4" name="Imagem 3"/>
-          <p:cNvPicPr>
-            <a:picLocks noChangeAspect="1"/>
-          </p:cNvPicPr>
-          <p:nvPr/>
-        </p:nvPicPr>
-        <p:blipFill>
-          <a:blip r:embed="rId2"/>
-          <a:stretch>
-            <a:fillRect/>
-          </a:stretch>
-        </p:blipFill>
-        <p:spPr>
-          <a:xfrm>
-            <a:off x="5348287" y="2833687"/>
-            <a:ext cx="2279028" cy="1814513"/>
-          </a:xfrm>
-          <a:prstGeom prst="rect">
-            <a:avLst/>
-          </a:prstGeom>
-        </p:spPr>
-      </p:pic>
-    </p:spTree>
-    <p:extLst>
-      <p:ext uri="{BB962C8B-B14F-4D97-AF65-F5344CB8AC3E}">
-        <p14:creationId xmlns:p14="http://schemas.microsoft.com/office/powerpoint/2010/main" val="3191650447"/>
-      </p:ext>
-    </p:extLst>
-  </p:cSld>
-  <p:clrMapOvr>
-    <a:masterClrMapping/>
-  </p:clrMapOvr>
-</p:sld>
-</file>
-
-<file path=ppt/slides/slide8.xml><?xml version="1.0" encoding="utf-8"?>
-<p:sld xmlns:a="http://schemas.openxmlformats.org/drawingml/2006/main" xmlns:r="http://schemas.openxmlformats.org/officeDocument/2006/relationships" xmlns:p="http://schemas.openxmlformats.org/presentationml/2006/main">
-  <p:cSld>
-    <p:spTree>
-      <p:nvGrpSpPr>
-        <p:cNvPr id="1" name=""/>
-        <p:cNvGrpSpPr/>
-        <p:nvPr/>
-      </p:nvGrpSpPr>
-      <p:grpSpPr>
-        <a:xfrm>
-          <a:off x="0" y="0"/>
-          <a:ext cx="0" cy="0"/>
-          <a:chOff x="0" y="0"/>
-          <a:chExt cx="0" cy="0"/>
-        </a:xfrm>
-      </p:grpSpPr>
-      <p:pic>
-        <p:nvPicPr>
-          <p:cNvPr id="4" name="Imagem 3"/>
-          <p:cNvPicPr>
-            <a:picLocks noChangeAspect="1"/>
-          </p:cNvPicPr>
-          <p:nvPr/>
-        </p:nvPicPr>
-        <p:blipFill>
-          <a:blip r:embed="rId2"/>
-          <a:stretch>
-            <a:fillRect/>
-          </a:stretch>
-        </p:blipFill>
-        <p:spPr>
-          <a:xfrm>
-            <a:off x="5153025" y="2466975"/>
-            <a:ext cx="1885950" cy="1924050"/>
-          </a:xfrm>
-          <a:prstGeom prst="rect">
-            <a:avLst/>
-          </a:prstGeom>
-        </p:spPr>
-      </p:pic>
-    </p:spTree>
-    <p:extLst>
-      <p:ext uri="{BB962C8B-B14F-4D97-AF65-F5344CB8AC3E}">
-        <p14:creationId xmlns:p14="http://schemas.microsoft.com/office/powerpoint/2010/main" val="2135013622"/>
-      </p:ext>
-    </p:extLst>
-  </p:cSld>
-  <p:clrMapOvr>
-    <a:masterClrMapping/>
-  </p:clrMapOvr>
-</p:sld>
-</file>
-
-<file path=ppt/slides/slide9.xml><?xml version="1.0" encoding="utf-8"?>
-<p:sld xmlns:a="http://schemas.openxmlformats.org/drawingml/2006/main" xmlns:r="http://schemas.openxmlformats.org/officeDocument/2006/relationships" xmlns:p="http://schemas.openxmlformats.org/presentationml/2006/main">
-  <p:cSld>
-    <p:spTree>
-      <p:nvGrpSpPr>
-        <p:cNvPr id="1" name=""/>
-        <p:cNvGrpSpPr/>
-        <p:nvPr/>
-      </p:nvGrpSpPr>
-      <p:grpSpPr>
-        <a:xfrm>
-          <a:off x="0" y="0"/>
-          <a:ext cx="0" cy="0"/>
-          <a:chOff x="0" y="0"/>
-          <a:chExt cx="0" cy="0"/>
-        </a:xfrm>
-      </p:grpSpPr>
-      <p:pic>
-        <p:nvPicPr>
-          <p:cNvPr id="4" name="Imagem 3"/>
-          <p:cNvPicPr>
-            <a:picLocks noChangeAspect="1"/>
-          </p:cNvPicPr>
-          <p:nvPr/>
-        </p:nvPicPr>
-        <p:blipFill>
-          <a:blip r:embed="rId2"/>
-          <a:stretch>
-            <a:fillRect/>
-          </a:stretch>
-        </p:blipFill>
-        <p:spPr>
-          <a:xfrm>
-            <a:off x="4610100" y="2124075"/>
-            <a:ext cx="2971800" cy="2609850"/>
-          </a:xfrm>
-          <a:prstGeom prst="rect">
-            <a:avLst/>
-          </a:prstGeom>
-        </p:spPr>
-      </p:pic>
-    </p:spTree>
-    <p:extLst>
-      <p:ext uri="{BB962C8B-B14F-4D97-AF65-F5344CB8AC3E}">
-        <p14:creationId xmlns:p14="http://schemas.microsoft.com/office/powerpoint/2010/main" val="2721734477"/>
-      </p:ext>
-    </p:extLst>
-  </p:cSld>
-  <p:clrMapOvr>
-    <a:masterClrMapping/>
-  </p:clrMapOvr>
 </p:sld>
 </file>
 
